--- a/docs/images/Annotated Images.pptx
+++ b/docs/images/Annotated Images.pptx
@@ -291,7 +291,7 @@
           <a:p>
             <a:fld id="{3D078CF7-35B0-46C3-BDF1-01B9C0B6ABD5}" type="datetimeFigureOut">
               <a:rPr lang="en-US" smtClean="0"/>
-              <a:t>11/8/2023</a:t>
+              <a:t>11/13/2023</a:t>
             </a:fld>
             <a:endParaRPr lang="en-US"/>
           </a:p>
@@ -489,7 +489,7 @@
           <a:p>
             <a:fld id="{3D078CF7-35B0-46C3-BDF1-01B9C0B6ABD5}" type="datetimeFigureOut">
               <a:rPr lang="en-US" smtClean="0"/>
-              <a:t>11/8/2023</a:t>
+              <a:t>11/13/2023</a:t>
             </a:fld>
             <a:endParaRPr lang="en-US"/>
           </a:p>
@@ -697,7 +697,7 @@
           <a:p>
             <a:fld id="{3D078CF7-35B0-46C3-BDF1-01B9C0B6ABD5}" type="datetimeFigureOut">
               <a:rPr lang="en-US" smtClean="0"/>
-              <a:t>11/8/2023</a:t>
+              <a:t>11/13/2023</a:t>
             </a:fld>
             <a:endParaRPr lang="en-US"/>
           </a:p>
@@ -895,7 +895,7 @@
           <a:p>
             <a:fld id="{3D078CF7-35B0-46C3-BDF1-01B9C0B6ABD5}" type="datetimeFigureOut">
               <a:rPr lang="en-US" smtClean="0"/>
-              <a:t>11/8/2023</a:t>
+              <a:t>11/13/2023</a:t>
             </a:fld>
             <a:endParaRPr lang="en-US"/>
           </a:p>
@@ -1170,7 +1170,7 @@
           <a:p>
             <a:fld id="{3D078CF7-35B0-46C3-BDF1-01B9C0B6ABD5}" type="datetimeFigureOut">
               <a:rPr lang="en-US" smtClean="0"/>
-              <a:t>11/8/2023</a:t>
+              <a:t>11/13/2023</a:t>
             </a:fld>
             <a:endParaRPr lang="en-US"/>
           </a:p>
@@ -1435,7 +1435,7 @@
           <a:p>
             <a:fld id="{3D078CF7-35B0-46C3-BDF1-01B9C0B6ABD5}" type="datetimeFigureOut">
               <a:rPr lang="en-US" smtClean="0"/>
-              <a:t>11/8/2023</a:t>
+              <a:t>11/13/2023</a:t>
             </a:fld>
             <a:endParaRPr lang="en-US"/>
           </a:p>
@@ -1847,7 +1847,7 @@
           <a:p>
             <a:fld id="{3D078CF7-35B0-46C3-BDF1-01B9C0B6ABD5}" type="datetimeFigureOut">
               <a:rPr lang="en-US" smtClean="0"/>
-              <a:t>11/8/2023</a:t>
+              <a:t>11/13/2023</a:t>
             </a:fld>
             <a:endParaRPr lang="en-US"/>
           </a:p>
@@ -1988,7 +1988,7 @@
           <a:p>
             <a:fld id="{3D078CF7-35B0-46C3-BDF1-01B9C0B6ABD5}" type="datetimeFigureOut">
               <a:rPr lang="en-US" smtClean="0"/>
-              <a:t>11/8/2023</a:t>
+              <a:t>11/13/2023</a:t>
             </a:fld>
             <a:endParaRPr lang="en-US"/>
           </a:p>
@@ -2101,7 +2101,7 @@
           <a:p>
             <a:fld id="{3D078CF7-35B0-46C3-BDF1-01B9C0B6ABD5}" type="datetimeFigureOut">
               <a:rPr lang="en-US" smtClean="0"/>
-              <a:t>11/8/2023</a:t>
+              <a:t>11/13/2023</a:t>
             </a:fld>
             <a:endParaRPr lang="en-US"/>
           </a:p>
@@ -2412,7 +2412,7 @@
           <a:p>
             <a:fld id="{3D078CF7-35B0-46C3-BDF1-01B9C0B6ABD5}" type="datetimeFigureOut">
               <a:rPr lang="en-US" smtClean="0"/>
-              <a:t>11/8/2023</a:t>
+              <a:t>11/13/2023</a:t>
             </a:fld>
             <a:endParaRPr lang="en-US"/>
           </a:p>
@@ -2700,7 +2700,7 @@
           <a:p>
             <a:fld id="{3D078CF7-35B0-46C3-BDF1-01B9C0B6ABD5}" type="datetimeFigureOut">
               <a:rPr lang="en-US" smtClean="0"/>
-              <a:t>11/8/2023</a:t>
+              <a:t>11/13/2023</a:t>
             </a:fld>
             <a:endParaRPr lang="en-US"/>
           </a:p>
@@ -2941,7 +2941,7 @@
           <a:p>
             <a:fld id="{3D078CF7-35B0-46C3-BDF1-01B9C0B6ABD5}" type="datetimeFigureOut">
               <a:rPr lang="en-US" smtClean="0"/>
-              <a:t>11/8/2023</a:t>
+              <a:t>11/13/2023</a:t>
             </a:fld>
             <a:endParaRPr lang="en-US"/>
           </a:p>
@@ -7291,10 +7291,10 @@
       </p:grpSpPr>
       <p:grpSp>
         <p:nvGrpSpPr>
-          <p:cNvPr id="9" name="Group 8">
-            <a:extLst>
-              <a:ext uri="{FF2B5EF4-FFF2-40B4-BE49-F238E27FC236}">
-                <a16:creationId xmlns:a16="http://schemas.microsoft.com/office/drawing/2014/main" id="{E7C08421-755D-0C6D-19AC-7FC4C6E7B4BB}"/>
+          <p:cNvPr id="6" name="Group 5">
+            <a:extLst>
+              <a:ext uri="{FF2B5EF4-FFF2-40B4-BE49-F238E27FC236}">
+                <a16:creationId xmlns:a16="http://schemas.microsoft.com/office/drawing/2014/main" id="{C0339DD4-1C4C-5339-655F-3CF61400E62E}"/>
               </a:ext>
             </a:extLst>
           </p:cNvPr>
@@ -7303,18 +7303,18 @@
         </p:nvGrpSpPr>
         <p:grpSpPr>
           <a:xfrm>
-            <a:off x="1637678" y="51916"/>
-            <a:ext cx="8916644" cy="6754168"/>
-            <a:chOff x="1637678" y="51916"/>
-            <a:chExt cx="8916644" cy="6754168"/>
+            <a:off x="51544" y="1156970"/>
+            <a:ext cx="12088912" cy="4544059"/>
+            <a:chOff x="51544" y="1156970"/>
+            <a:chExt cx="12088912" cy="4544059"/>
           </a:xfrm>
         </p:grpSpPr>
         <p:pic>
           <p:nvPicPr>
-            <p:cNvPr id="7" name="Picture 6">
+            <p:cNvPr id="5" name="Picture 4">
               <a:extLst>
                 <a:ext uri="{FF2B5EF4-FFF2-40B4-BE49-F238E27FC236}">
-                  <a16:creationId xmlns:a16="http://schemas.microsoft.com/office/drawing/2014/main" id="{882A85F8-5FF7-BA30-674A-B03C40908FFC}"/>
+                  <a16:creationId xmlns:a16="http://schemas.microsoft.com/office/drawing/2014/main" id="{38B88F09-D30D-C260-156C-49A379647804}"/>
                 </a:ext>
               </a:extLst>
             </p:cNvPr>
@@ -7331,8 +7331,8 @@
           </p:blipFill>
           <p:spPr>
             <a:xfrm>
-              <a:off x="1637678" y="51916"/>
-              <a:ext cx="8916644" cy="6754168"/>
+              <a:off x="51544" y="1156970"/>
+              <a:ext cx="12088912" cy="4544059"/>
             </a:xfrm>
             <a:prstGeom prst="rect">
               <a:avLst/>
@@ -7353,8 +7353,8 @@
           </p:nvSpPr>
           <p:spPr>
             <a:xfrm>
-              <a:off x="1996751" y="5141167"/>
-              <a:ext cx="8192278" cy="326573"/>
+              <a:off x="487128" y="4028360"/>
+              <a:ext cx="11236169" cy="326573"/>
             </a:xfrm>
             <a:prstGeom prst="rect">
               <a:avLst/>
